--- a/ORDER PROCESSING REVISED.pptx
+++ b/ORDER PROCESSING REVISED.pptx
@@ -16,7 +16,8 @@
     <p:sldId id="266" r:id="rId10"/>
     <p:sldId id="264" r:id="rId11"/>
     <p:sldId id="268" r:id="rId12"/>
-    <p:sldId id="262" r:id="rId13"/>
+    <p:sldId id="269" r:id="rId13"/>
+    <p:sldId id="262" r:id="rId14"/>
   </p:sldIdLst>
   <p:sldSz cx="12192000" cy="6858000"/>
   <p:notesSz cx="6858000" cy="9144000"/>
@@ -9917,6 +9918,13 @@
   <p:clrMapOvr>
     <a:masterClrMapping/>
   </p:clrMapOvr>
+  <p:timing>
+    <p:tnLst>
+      <p:par>
+        <p:cTn id="1" dur="indefinite" restart="never" nodeType="tmRoot"/>
+      </p:par>
+    </p:tnLst>
+  </p:timing>
 </p:sld>
 </file>
 
@@ -10003,6 +10011,13 @@
   <p:clrMapOvr>
     <a:masterClrMapping/>
   </p:clrMapOvr>
+  <p:timing>
+    <p:tnLst>
+      <p:par>
+        <p:cTn id="1" dur="indefinite" restart="never" nodeType="tmRoot"/>
+      </p:par>
+    </p:tnLst>
+  </p:timing>
 </p:sld>
 </file>
 
@@ -10040,6 +10055,95 @@
           <a:p>
             <a:r>
               <a:rPr lang="en-US" dirty="0" smtClean="0"/>
+              <a:t>FLOW MAP</a:t>
+            </a:r>
+            <a:endParaRPr lang="en-US" dirty="0"/>
+          </a:p>
+        </p:txBody>
+      </p:sp>
+      <p:pic>
+        <p:nvPicPr>
+          <p:cNvPr id="77" name="Content Placeholder 76"/>
+          <p:cNvPicPr>
+            <a:picLocks noGrp="1" noChangeAspect="1"/>
+          </p:cNvPicPr>
+          <p:nvPr>
+            <p:ph idx="1"/>
+          </p:nvPr>
+        </p:nvPicPr>
+        <p:blipFill>
+          <a:blip r:embed="rId2">
+            <a:extLst>
+              <a:ext uri="{28A0092B-C50C-407E-A947-70E740481C1C}">
+                <a14:useLocalDpi xmlns:a14="http://schemas.microsoft.com/office/drawing/2010/main" val="0"/>
+              </a:ext>
+            </a:extLst>
+          </a:blip>
+          <a:stretch>
+            <a:fillRect/>
+          </a:stretch>
+        </p:blipFill>
+        <p:spPr>
+          <a:xfrm>
+            <a:off x="4366770" y="1909623"/>
+            <a:ext cx="3458459" cy="4948377"/>
+          </a:xfrm>
+        </p:spPr>
+      </p:pic>
+    </p:spTree>
+    <p:extLst>
+      <p:ext uri="{BB962C8B-B14F-4D97-AF65-F5344CB8AC3E}">
+        <p14:creationId xmlns:p14="http://schemas.microsoft.com/office/powerpoint/2010/main" val="2393123681"/>
+      </p:ext>
+    </p:extLst>
+  </p:cSld>
+  <p:clrMapOvr>
+    <a:masterClrMapping/>
+  </p:clrMapOvr>
+  <p:timing>
+    <p:tnLst>
+      <p:par>
+        <p:cTn id="1" dur="indefinite" restart="never" nodeType="tmRoot"/>
+      </p:par>
+    </p:tnLst>
+  </p:timing>
+</p:sld>
+</file>
+
+<file path=ppt/slides/slide13.xml><?xml version="1.0" encoding="utf-8"?>
+<p:sld xmlns:a="http://schemas.openxmlformats.org/drawingml/2006/main" xmlns:r="http://schemas.openxmlformats.org/officeDocument/2006/relationships" xmlns:p="http://schemas.openxmlformats.org/presentationml/2006/main">
+  <p:cSld>
+    <p:spTree>
+      <p:nvGrpSpPr>
+        <p:cNvPr id="1" name=""/>
+        <p:cNvGrpSpPr/>
+        <p:nvPr/>
+      </p:nvGrpSpPr>
+      <p:grpSpPr>
+        <a:xfrm>
+          <a:off x="0" y="0"/>
+          <a:ext cx="0" cy="0"/>
+          <a:chOff x="0" y="0"/>
+          <a:chExt cx="0" cy="0"/>
+        </a:xfrm>
+      </p:grpSpPr>
+      <p:sp>
+        <p:nvSpPr>
+          <p:cNvPr id="2" name="Title 1"/>
+          <p:cNvSpPr>
+            <a:spLocks noGrp="1"/>
+          </p:cNvSpPr>
+          <p:nvPr>
+            <p:ph type="title"/>
+          </p:nvPr>
+        </p:nvSpPr>
+        <p:spPr/>
+        <p:txBody>
+          <a:bodyPr/>
+          <a:lstStyle/>
+          <a:p>
+            <a:r>
+              <a:rPr lang="en-US" dirty="0" smtClean="0"/>
               <a:t>References	</a:t>
             </a:r>
             <a:endParaRPr lang="en-US" dirty="0"/>
@@ -10069,7 +10173,6 @@
               <a:rPr lang="en-US" dirty="0"/>
               <a:t>http://www.britannica.com/EBchecked/topic/431437/order-processing</a:t>
             </a:r>
-            <a:endParaRPr lang="en-US" dirty="0"/>
           </a:p>
         </p:txBody>
       </p:sp>
@@ -10083,6 +10186,13 @@
   <p:clrMapOvr>
     <a:masterClrMapping/>
   </p:clrMapOvr>
+  <p:timing>
+    <p:tnLst>
+      <p:par>
+        <p:cTn id="1" dur="indefinite" restart="never" nodeType="tmRoot"/>
+      </p:par>
+    </p:tnLst>
+  </p:timing>
 </p:sld>
 </file>
 
@@ -11146,6 +11256,13 @@
   <p:clrMapOvr>
     <a:masterClrMapping/>
   </p:clrMapOvr>
+  <p:timing>
+    <p:tnLst>
+      <p:par>
+        <p:cTn id="1" dur="indefinite" restart="never" nodeType="tmRoot"/>
+      </p:par>
+    </p:tnLst>
+  </p:timing>
 </p:sld>
 </file>
 
@@ -11242,6 +11359,13 @@
   <p:clrMapOvr>
     <a:masterClrMapping/>
   </p:clrMapOvr>
+  <p:timing>
+    <p:tnLst>
+      <p:par>
+        <p:cTn id="1" dur="indefinite" restart="never" nodeType="tmRoot"/>
+      </p:par>
+    </p:tnLst>
+  </p:timing>
 </p:sld>
 </file>
 
@@ -11302,34 +11426,26 @@
           <a:p>
             <a:r>
               <a:rPr lang="en-US" dirty="0" smtClean="0"/>
-              <a:t>Items database</a:t>
-            </a:r>
-            <a:r>
-              <a:rPr lang="en-US" dirty="0" smtClean="0"/>
-              <a:t> is updated automatically by the system when the customer choosing an order</a:t>
-            </a:r>
-            <a:endParaRPr lang="en-US" dirty="0" smtClean="0"/>
+              <a:t>Items database is updated automatically by the system when the customer choosing an order</a:t>
+            </a:r>
           </a:p>
           <a:p>
             <a:r>
               <a:rPr lang="en-US" dirty="0" smtClean="0"/>
               <a:t>The System doesn’t process discount and shipment fee</a:t>
             </a:r>
-            <a:endParaRPr lang="en-US" dirty="0" smtClean="0"/>
           </a:p>
           <a:p>
             <a:r>
               <a:rPr lang="en-US" dirty="0" smtClean="0"/>
               <a:t>No limit on minimum order</a:t>
             </a:r>
-            <a:endParaRPr lang="en-US" dirty="0" smtClean="0"/>
           </a:p>
           <a:p>
             <a:r>
               <a:rPr lang="en-US" dirty="0" smtClean="0"/>
               <a:t>No limit on booking an item</a:t>
             </a:r>
-            <a:endParaRPr lang="en-US" dirty="0" smtClean="0"/>
           </a:p>
           <a:p>
             <a:endParaRPr lang="en-US" dirty="0" smtClean="0"/>
@@ -11346,6 +11462,13 @@
   <p:clrMapOvr>
     <a:masterClrMapping/>
   </p:clrMapOvr>
+  <p:timing>
+    <p:tnLst>
+      <p:par>
+        <p:cTn id="1" dur="indefinite" restart="never" nodeType="tmRoot"/>
+      </p:par>
+    </p:tnLst>
+  </p:timing>
 </p:sld>
 </file>
 

--- a/ORDER PROCESSING REVISED.pptx
+++ b/ORDER PROCESSING REVISED.pptx
@@ -15,9 +15,11 @@
     <p:sldId id="263" r:id="rId9"/>
     <p:sldId id="266" r:id="rId10"/>
     <p:sldId id="264" r:id="rId11"/>
-    <p:sldId id="268" r:id="rId12"/>
-    <p:sldId id="269" r:id="rId13"/>
-    <p:sldId id="262" r:id="rId14"/>
+    <p:sldId id="271" r:id="rId12"/>
+    <p:sldId id="270" r:id="rId13"/>
+    <p:sldId id="268" r:id="rId14"/>
+    <p:sldId id="269" r:id="rId15"/>
+    <p:sldId id="262" r:id="rId16"/>
   </p:sldIdLst>
   <p:sldSz cx="12192000" cy="6858000"/>
   <p:notesSz cx="6858000" cy="9144000"/>
@@ -3767,7 +3769,7 @@
             <a:fld id="{B61BEF0D-F0BB-DE4B-95CE-6DB70DBA9567}" type="datetimeFigureOut">
               <a:rPr lang="en-US" dirty="0"/>
               <a:pPr/>
-              <a:t>9/18/2014</a:t>
+              <a:t>9/22/2014</a:t>
             </a:fld>
             <a:endParaRPr lang="en-US" dirty="0"/>
           </a:p>
@@ -4026,7 +4028,7 @@
             <a:fld id="{B61BEF0D-F0BB-DE4B-95CE-6DB70DBA9567}" type="datetimeFigureOut">
               <a:rPr lang="en-US" dirty="0"/>
               <a:pPr/>
-              <a:t>9/18/2014</a:t>
+              <a:t>9/22/2014</a:t>
             </a:fld>
             <a:endParaRPr lang="en-US" dirty="0"/>
           </a:p>
@@ -4258,7 +4260,7 @@
             <a:fld id="{B61BEF0D-F0BB-DE4B-95CE-6DB70DBA9567}" type="datetimeFigureOut">
               <a:rPr lang="en-US" dirty="0"/>
               <a:pPr/>
-              <a:t>9/18/2014</a:t>
+              <a:t>9/22/2014</a:t>
             </a:fld>
             <a:endParaRPr lang="en-US" dirty="0"/>
           </a:p>
@@ -4495,7 +4497,7 @@
             <a:fld id="{B61BEF0D-F0BB-DE4B-95CE-6DB70DBA9567}" type="datetimeFigureOut">
               <a:rPr lang="en-US" dirty="0"/>
               <a:pPr/>
-              <a:t>9/18/2014</a:t>
+              <a:t>9/22/2014</a:t>
             </a:fld>
             <a:endParaRPr lang="en-US" dirty="0"/>
           </a:p>
@@ -4799,7 +4801,7 @@
             <a:fld id="{B61BEF0D-F0BB-DE4B-95CE-6DB70DBA9567}" type="datetimeFigureOut">
               <a:rPr lang="en-US" dirty="0"/>
               <a:pPr/>
-              <a:t>9/18/2014</a:t>
+              <a:t>9/22/2014</a:t>
             </a:fld>
             <a:endParaRPr lang="en-US" dirty="0"/>
           </a:p>
@@ -5098,7 +5100,7 @@
             <a:fld id="{B61BEF0D-F0BB-DE4B-95CE-6DB70DBA9567}" type="datetimeFigureOut">
               <a:rPr lang="en-US" dirty="0"/>
               <a:pPr/>
-              <a:t>9/18/2014</a:t>
+              <a:t>9/22/2014</a:t>
             </a:fld>
             <a:endParaRPr lang="en-US" dirty="0"/>
           </a:p>
@@ -5517,7 +5519,7 @@
             <a:fld id="{B61BEF0D-F0BB-DE4B-95CE-6DB70DBA9567}" type="datetimeFigureOut">
               <a:rPr lang="en-US" dirty="0"/>
               <a:pPr/>
-              <a:t>9/18/2014</a:t>
+              <a:t>9/22/2014</a:t>
             </a:fld>
             <a:endParaRPr lang="en-US" dirty="0"/>
           </a:p>
@@ -5609,7 +5611,7 @@
             <a:fld id="{B61BEF0D-F0BB-DE4B-95CE-6DB70DBA9567}" type="datetimeFigureOut">
               <a:rPr lang="en-US" dirty="0"/>
               <a:pPr/>
-              <a:t>9/18/2014</a:t>
+              <a:t>9/22/2014</a:t>
             </a:fld>
             <a:endParaRPr lang="en-US" dirty="0"/>
           </a:p>
@@ -5768,7 +5770,7 @@
             <a:fld id="{B61BEF0D-F0BB-DE4B-95CE-6DB70DBA9567}" type="datetimeFigureOut">
               <a:rPr lang="en-US" dirty="0"/>
               <a:pPr/>
-              <a:t>9/18/2014</a:t>
+              <a:t>9/22/2014</a:t>
             </a:fld>
             <a:endParaRPr lang="en-US" dirty="0"/>
           </a:p>
@@ -6143,7 +6145,7 @@
             <a:fld id="{B61BEF0D-F0BB-DE4B-95CE-6DB70DBA9567}" type="datetimeFigureOut">
               <a:rPr lang="en-US" dirty="0"/>
               <a:pPr/>
-              <a:t>9/18/2014</a:t>
+              <a:t>9/22/2014</a:t>
             </a:fld>
             <a:endParaRPr lang="en-US" dirty="0"/>
           </a:p>
@@ -6429,7 +6431,7 @@
             <a:fld id="{B61BEF0D-F0BB-DE4B-95CE-6DB70DBA9567}" type="datetimeFigureOut">
               <a:rPr lang="en-US" dirty="0"/>
               <a:pPr/>
-              <a:t>9/18/2014</a:t>
+              <a:t>9/22/2014</a:t>
             </a:fld>
             <a:endParaRPr lang="en-US" dirty="0"/>
           </a:p>
@@ -6637,7 +6639,7 @@
             <a:fld id="{B61BEF0D-F0BB-DE4B-95CE-6DB70DBA9567}" type="datetimeFigureOut">
               <a:rPr lang="en-US" dirty="0"/>
               <a:pPr/>
-              <a:t>9/18/2014</a:t>
+              <a:t>9/22/2014</a:t>
             </a:fld>
             <a:endParaRPr lang="en-US" dirty="0"/>
           </a:p>
@@ -7330,6 +7332,13 @@
   <p:clrMapOvr>
     <a:masterClrMapping/>
   </p:clrMapOvr>
+  <p:timing>
+    <p:tnLst>
+      <p:par>
+        <p:cTn id="1" dur="indefinite" restart="never" nodeType="tmRoot"/>
+      </p:par>
+    </p:tnLst>
+  </p:timing>
 </p:sld>
 </file>
 
@@ -7805,13 +7814,222 @@
       </p:grpSp>
       <p:sp>
         <p:nvSpPr>
-          <p:cNvPr id="33" name="Freeform 32"/>
+          <p:cNvPr id="48" name="TextBox 47"/>
+          <p:cNvSpPr txBox="1"/>
+          <p:nvPr/>
+        </p:nvSpPr>
+        <p:spPr>
+          <a:xfrm>
+            <a:off x="1917391" y="2827877"/>
+            <a:ext cx="2042250" cy="461665"/>
+          </a:xfrm>
+          <a:prstGeom prst="rect">
+            <a:avLst/>
+          </a:prstGeom>
+          <a:noFill/>
+        </p:spPr>
+        <p:txBody>
+          <a:bodyPr wrap="square" rtlCol="0">
+            <a:spAutoFit/>
+          </a:bodyPr>
+          <a:lstStyle/>
+          <a:p>
+            <a:r>
+              <a:rPr lang="en-US" sz="1200" dirty="0" smtClean="0"/>
+              <a:t>username, pass, view, payment, order</a:t>
+            </a:r>
+            <a:endParaRPr lang="en-US" sz="1200" dirty="0"/>
+          </a:p>
+        </p:txBody>
+      </p:sp>
+      <p:sp>
+        <p:nvSpPr>
+          <p:cNvPr id="49" name="TextBox 48"/>
+          <p:cNvSpPr txBox="1"/>
+          <p:nvPr/>
+        </p:nvSpPr>
+        <p:spPr>
+          <a:xfrm>
+            <a:off x="215908" y="4012974"/>
+            <a:ext cx="1155039" cy="461665"/>
+          </a:xfrm>
+          <a:prstGeom prst="rect">
+            <a:avLst/>
+          </a:prstGeom>
+          <a:noFill/>
+        </p:spPr>
+        <p:txBody>
+          <a:bodyPr wrap="square" rtlCol="0">
+            <a:spAutoFit/>
+          </a:bodyPr>
+          <a:lstStyle/>
+          <a:p>
+            <a:pPr algn="r"/>
+            <a:r>
+              <a:rPr lang="en-US" sz="1200" dirty="0" err="1" smtClean="0"/>
+              <a:t>products_sent</a:t>
+            </a:r>
+            <a:r>
+              <a:rPr lang="en-US" sz="1200" dirty="0" smtClean="0"/>
+              <a:t>,</a:t>
+            </a:r>
+          </a:p>
+          <a:p>
+            <a:pPr algn="r"/>
+            <a:r>
+              <a:rPr lang="en-US" sz="1200" dirty="0" err="1" smtClean="0"/>
+              <a:t>err_msg</a:t>
+            </a:r>
+            <a:endParaRPr lang="en-US" sz="1200" dirty="0"/>
+          </a:p>
+        </p:txBody>
+      </p:sp>
+      <p:sp>
+        <p:nvSpPr>
+          <p:cNvPr id="51" name="TextBox 50"/>
+          <p:cNvSpPr txBox="1"/>
+          <p:nvPr/>
+        </p:nvSpPr>
+        <p:spPr>
+          <a:xfrm>
+            <a:off x="1068947" y="5123295"/>
+            <a:ext cx="1431554" cy="461665"/>
+          </a:xfrm>
+          <a:prstGeom prst="rect">
+            <a:avLst/>
+          </a:prstGeom>
+          <a:noFill/>
+        </p:spPr>
+        <p:txBody>
+          <a:bodyPr wrap="square" rtlCol="0">
+            <a:spAutoFit/>
+          </a:bodyPr>
+          <a:lstStyle/>
+          <a:p>
+            <a:pPr algn="r"/>
+            <a:r>
+              <a:rPr lang="en-US" sz="1200" dirty="0"/>
+              <a:t>u</a:t>
+            </a:r>
+            <a:r>
+              <a:rPr lang="en-US" sz="1200" dirty="0" smtClean="0"/>
+              <a:t>pdate, </a:t>
+            </a:r>
+            <a:r>
+              <a:rPr lang="en-US" sz="1200" dirty="0" err="1" smtClean="0"/>
+              <a:t>payment_validation</a:t>
+            </a:r>
+            <a:endParaRPr lang="en-US" sz="1200" dirty="0"/>
+          </a:p>
+        </p:txBody>
+      </p:sp>
+      <p:sp>
+        <p:nvSpPr>
+          <p:cNvPr id="73" name="Down Arrow 72"/>
           <p:cNvSpPr/>
           <p:nvPr/>
         </p:nvSpPr>
         <p:spPr>
           <a:xfrm>
-            <a:off x="9298546" y="4713668"/>
+            <a:off x="558948" y="1957620"/>
+            <a:ext cx="3784745" cy="459225"/>
+          </a:xfrm>
+          <a:prstGeom prst="downArrow">
+            <a:avLst/>
+          </a:prstGeom>
+        </p:spPr>
+        <p:style>
+          <a:lnRef idx="2">
+            <a:schemeClr val="accent3"/>
+          </a:lnRef>
+          <a:fillRef idx="1">
+            <a:schemeClr val="lt1"/>
+          </a:fillRef>
+          <a:effectRef idx="0">
+            <a:schemeClr val="accent3"/>
+          </a:effectRef>
+          <a:fontRef idx="minor">
+            <a:schemeClr val="dk1"/>
+          </a:fontRef>
+        </p:style>
+        <p:txBody>
+          <a:bodyPr rtlCol="0" anchor="ctr"/>
+          <a:lstStyle/>
+          <a:p>
+            <a:pPr algn="ctr"/>
+            <a:r>
+              <a:rPr lang="en-US" dirty="0" smtClean="0"/>
+              <a:t>Level 0</a:t>
+            </a:r>
+            <a:endParaRPr lang="en-US" dirty="0"/>
+          </a:p>
+        </p:txBody>
+      </p:sp>
+    </p:spTree>
+    <p:extLst>
+      <p:ext uri="{BB962C8B-B14F-4D97-AF65-F5344CB8AC3E}">
+        <p14:creationId xmlns:p14="http://schemas.microsoft.com/office/powerpoint/2010/main" val="838798384"/>
+      </p:ext>
+    </p:extLst>
+  </p:cSld>
+  <p:clrMapOvr>
+    <a:masterClrMapping/>
+  </p:clrMapOvr>
+  <p:timing>
+    <p:tnLst>
+      <p:par>
+        <p:cTn id="1" dur="indefinite" restart="never" nodeType="tmRoot"/>
+      </p:par>
+    </p:tnLst>
+  </p:timing>
+</p:sld>
+</file>
+
+<file path=ppt/slides/slide11.xml><?xml version="1.0" encoding="utf-8"?>
+<p:sld xmlns:a="http://schemas.openxmlformats.org/drawingml/2006/main" xmlns:r="http://schemas.openxmlformats.org/officeDocument/2006/relationships" xmlns:p="http://schemas.openxmlformats.org/presentationml/2006/main">
+  <p:cSld>
+    <p:spTree>
+      <p:nvGrpSpPr>
+        <p:cNvPr id="1" name=""/>
+        <p:cNvGrpSpPr/>
+        <p:nvPr/>
+      </p:nvGrpSpPr>
+      <p:grpSpPr>
+        <a:xfrm>
+          <a:off x="0" y="0"/>
+          <a:ext cx="0" cy="0"/>
+          <a:chOff x="0" y="0"/>
+          <a:chExt cx="0" cy="0"/>
+        </a:xfrm>
+      </p:grpSpPr>
+      <p:sp>
+        <p:nvSpPr>
+          <p:cNvPr id="3" name="Content Placeholder 2"/>
+          <p:cNvSpPr>
+            <a:spLocks noGrp="1"/>
+          </p:cNvSpPr>
+          <p:nvPr>
+            <p:ph idx="1"/>
+          </p:nvPr>
+        </p:nvSpPr>
+        <p:spPr/>
+        <p:txBody>
+          <a:bodyPr/>
+          <a:lstStyle/>
+          <a:p>
+            <a:endParaRPr lang="en-US"/>
+          </a:p>
+        </p:txBody>
+      </p:sp>
+      <p:sp>
+        <p:nvSpPr>
+          <p:cNvPr id="4" name="Freeform 3"/>
+          <p:cNvSpPr/>
+          <p:nvPr/>
+        </p:nvSpPr>
+        <p:spPr>
+          <a:xfrm>
+            <a:off x="6910946" y="4726368"/>
             <a:ext cx="746975" cy="901521"/>
           </a:xfrm>
           <a:custGeom>
@@ -7886,126 +8104,15 @@
           </a:p>
         </p:txBody>
       </p:sp>
-      <p:sp>
-        <p:nvSpPr>
-          <p:cNvPr id="48" name="TextBox 47"/>
-          <p:cNvSpPr txBox="1"/>
-          <p:nvPr/>
-        </p:nvSpPr>
-        <p:spPr>
-          <a:xfrm>
-            <a:off x="1917391" y="2827877"/>
-            <a:ext cx="2042250" cy="461665"/>
-          </a:xfrm>
-          <a:prstGeom prst="rect">
-            <a:avLst/>
-          </a:prstGeom>
-          <a:noFill/>
-        </p:spPr>
-        <p:txBody>
-          <a:bodyPr wrap="square" rtlCol="0">
-            <a:spAutoFit/>
-          </a:bodyPr>
-          <a:lstStyle/>
-          <a:p>
-            <a:r>
-              <a:rPr lang="en-US" sz="1200" dirty="0" smtClean="0"/>
-              <a:t>username, pass, view, payment, order</a:t>
-            </a:r>
-            <a:endParaRPr lang="en-US" sz="1200" dirty="0"/>
-          </a:p>
-        </p:txBody>
-      </p:sp>
-      <p:sp>
-        <p:nvSpPr>
-          <p:cNvPr id="49" name="TextBox 48"/>
-          <p:cNvSpPr txBox="1"/>
-          <p:nvPr/>
-        </p:nvSpPr>
-        <p:spPr>
-          <a:xfrm>
-            <a:off x="215908" y="4012974"/>
-            <a:ext cx="1155039" cy="461665"/>
-          </a:xfrm>
-          <a:prstGeom prst="rect">
-            <a:avLst/>
-          </a:prstGeom>
-          <a:noFill/>
-        </p:spPr>
-        <p:txBody>
-          <a:bodyPr wrap="square" rtlCol="0">
-            <a:spAutoFit/>
-          </a:bodyPr>
-          <a:lstStyle/>
-          <a:p>
-            <a:pPr algn="r"/>
-            <a:r>
-              <a:rPr lang="en-US" sz="1200" dirty="0" err="1" smtClean="0"/>
-              <a:t>products_sent</a:t>
-            </a:r>
-            <a:r>
-              <a:rPr lang="en-US" sz="1200" dirty="0" smtClean="0"/>
-              <a:t>,</a:t>
-            </a:r>
-          </a:p>
-          <a:p>
-            <a:pPr algn="r"/>
-            <a:r>
-              <a:rPr lang="en-US" sz="1200" dirty="0" err="1" smtClean="0"/>
-              <a:t>err_msg</a:t>
-            </a:r>
-            <a:endParaRPr lang="en-US" sz="1200" dirty="0"/>
-          </a:p>
-        </p:txBody>
-      </p:sp>
-      <p:sp>
-        <p:nvSpPr>
-          <p:cNvPr id="51" name="TextBox 50"/>
-          <p:cNvSpPr txBox="1"/>
-          <p:nvPr/>
-        </p:nvSpPr>
-        <p:spPr>
-          <a:xfrm>
-            <a:off x="1068947" y="5123295"/>
-            <a:ext cx="1431554" cy="461665"/>
-          </a:xfrm>
-          <a:prstGeom prst="rect">
-            <a:avLst/>
-          </a:prstGeom>
-          <a:noFill/>
-        </p:spPr>
-        <p:txBody>
-          <a:bodyPr wrap="square" rtlCol="0">
-            <a:spAutoFit/>
-          </a:bodyPr>
-          <a:lstStyle/>
-          <a:p>
-            <a:pPr algn="r"/>
-            <a:r>
-              <a:rPr lang="en-US" sz="1200" dirty="0"/>
-              <a:t>u</a:t>
-            </a:r>
-            <a:r>
-              <a:rPr lang="en-US" sz="1200" dirty="0" smtClean="0"/>
-              <a:t>pdate, </a:t>
-            </a:r>
-            <a:r>
-              <a:rPr lang="en-US" sz="1200" dirty="0" err="1" smtClean="0"/>
-              <a:t>payment_validation</a:t>
-            </a:r>
-            <a:endParaRPr lang="en-US" sz="1200" dirty="0"/>
-          </a:p>
-        </p:txBody>
-      </p:sp>
       <p:grpSp>
         <p:nvGrpSpPr>
-          <p:cNvPr id="60" name="Group 59"/>
+          <p:cNvPr id="5" name="Group 4"/>
           <p:cNvGrpSpPr/>
           <p:nvPr/>
         </p:nvGrpSpPr>
         <p:grpSpPr>
           <a:xfrm>
-            <a:off x="5021199" y="1957620"/>
+            <a:off x="2633599" y="1970320"/>
             <a:ext cx="6905634" cy="4727009"/>
             <a:chOff x="5158701" y="2130991"/>
             <a:chExt cx="6905634" cy="4727009"/>
@@ -8013,7 +8120,7 @@
         </p:grpSpPr>
         <p:grpSp>
           <p:nvGrpSpPr>
-            <p:cNvPr id="58" name="Group 57"/>
+            <p:cNvPr id="6" name="Group 5"/>
             <p:cNvGrpSpPr/>
             <p:nvPr/>
           </p:nvGrpSpPr>
@@ -8027,7 +8134,7 @@
           </p:grpSpPr>
           <p:grpSp>
             <p:nvGrpSpPr>
-              <p:cNvPr id="47" name="Group 46"/>
+              <p:cNvPr id="8" name="Group 7"/>
               <p:cNvGrpSpPr/>
               <p:nvPr/>
             </p:nvGrpSpPr>
@@ -8041,7 +8148,7 @@
             </p:grpSpPr>
             <p:sp>
               <p:nvSpPr>
-                <p:cNvPr id="46" name="Rectangle 45"/>
+                <p:cNvPr id="11" name="Rectangle 10"/>
                 <p:cNvSpPr/>
                 <p:nvPr/>
               </p:nvSpPr>
@@ -8079,7 +8186,7 @@
             </p:sp>
             <p:sp>
               <p:nvSpPr>
-                <p:cNvPr id="20" name="Oval 19"/>
+                <p:cNvPr id="12" name="Oval 11"/>
                 <p:cNvSpPr/>
                 <p:nvPr/>
               </p:nvSpPr>
@@ -8123,7 +8230,7 @@
             </p:sp>
             <p:sp>
               <p:nvSpPr>
-                <p:cNvPr id="21" name="Oval 20"/>
+                <p:cNvPr id="13" name="Oval 12"/>
                 <p:cNvSpPr/>
                 <p:nvPr/>
               </p:nvSpPr>
@@ -8167,7 +8274,7 @@
             </p:sp>
             <p:sp>
               <p:nvSpPr>
-                <p:cNvPr id="22" name="Oval 21"/>
+                <p:cNvPr id="14" name="Oval 13"/>
                 <p:cNvSpPr/>
                 <p:nvPr/>
               </p:nvSpPr>
@@ -8211,7 +8318,7 @@
             </p:sp>
             <p:sp>
               <p:nvSpPr>
-                <p:cNvPr id="23" name="Oval 22"/>
+                <p:cNvPr id="15" name="Oval 14"/>
                 <p:cNvSpPr/>
                 <p:nvPr/>
               </p:nvSpPr>
@@ -8254,7 +8361,7 @@
             </p:sp>
             <p:sp>
               <p:nvSpPr>
-                <p:cNvPr id="24" name="Oval 23"/>
+                <p:cNvPr id="16" name="Oval 15"/>
                 <p:cNvSpPr/>
                 <p:nvPr/>
               </p:nvSpPr>
@@ -8298,7 +8405,7 @@
             </p:sp>
             <p:sp>
               <p:nvSpPr>
-                <p:cNvPr id="25" name="Oval 24"/>
+                <p:cNvPr id="17" name="Oval 16"/>
                 <p:cNvSpPr/>
                 <p:nvPr/>
               </p:nvSpPr>
@@ -8342,7 +8449,7 @@
             </p:sp>
             <p:sp>
               <p:nvSpPr>
-                <p:cNvPr id="28" name="Rectangle 27"/>
+                <p:cNvPr id="18" name="Rectangle 17"/>
                 <p:cNvSpPr/>
                 <p:nvPr/>
               </p:nvSpPr>
@@ -8384,7 +8491,7 @@
             </p:sp>
             <p:sp>
               <p:nvSpPr>
-                <p:cNvPr id="29" name="Rectangle 28"/>
+                <p:cNvPr id="19" name="Rectangle 18"/>
                 <p:cNvSpPr/>
                 <p:nvPr/>
               </p:nvSpPr>
@@ -8426,7 +8533,7 @@
             </p:sp>
             <p:sp>
               <p:nvSpPr>
-                <p:cNvPr id="30" name="Freeform 29"/>
+                <p:cNvPr id="20" name="Freeform 19"/>
                 <p:cNvSpPr/>
                 <p:nvPr/>
               </p:nvSpPr>
@@ -8509,7 +8616,7 @@
             </p:sp>
             <p:sp>
               <p:nvSpPr>
-                <p:cNvPr id="31" name="Freeform 30"/>
+                <p:cNvPr id="21" name="Freeform 20"/>
                 <p:cNvSpPr/>
                 <p:nvPr/>
               </p:nvSpPr>
@@ -8592,7 +8699,7 @@
             </p:sp>
             <p:sp>
               <p:nvSpPr>
-                <p:cNvPr id="32" name="Freeform 31"/>
+                <p:cNvPr id="22" name="Freeform 21"/>
                 <p:cNvSpPr/>
                 <p:nvPr/>
               </p:nvSpPr>
@@ -8675,7 +8782,7 @@
             </p:sp>
             <p:sp>
               <p:nvSpPr>
-                <p:cNvPr id="35" name="Freeform 34"/>
+                <p:cNvPr id="23" name="Freeform 22"/>
                 <p:cNvSpPr/>
                 <p:nvPr/>
               </p:nvSpPr>
@@ -8758,7 +8865,7 @@
             </p:sp>
             <p:sp>
               <p:nvSpPr>
-                <p:cNvPr id="37" name="Freeform 36"/>
+                <p:cNvPr id="24" name="Freeform 23"/>
                 <p:cNvSpPr/>
                 <p:nvPr/>
               </p:nvSpPr>
@@ -8841,7 +8948,7 @@
             </p:sp>
             <p:sp>
               <p:nvSpPr>
-                <p:cNvPr id="38" name="Freeform 37"/>
+                <p:cNvPr id="25" name="Freeform 24"/>
                 <p:cNvSpPr/>
                 <p:nvPr/>
               </p:nvSpPr>
@@ -8924,7 +9031,7 @@
             </p:sp>
             <p:sp>
               <p:nvSpPr>
-                <p:cNvPr id="39" name="Freeform 38"/>
+                <p:cNvPr id="26" name="Freeform 25"/>
                 <p:cNvSpPr/>
                 <p:nvPr/>
               </p:nvSpPr>
@@ -9007,7 +9114,7 @@
             </p:sp>
             <p:sp>
               <p:nvSpPr>
-                <p:cNvPr id="43" name="Freeform 42"/>
+                <p:cNvPr id="27" name="Freeform 26"/>
                 <p:cNvSpPr/>
                 <p:nvPr/>
               </p:nvSpPr>
@@ -9090,7 +9197,7 @@
             </p:sp>
             <p:sp>
               <p:nvSpPr>
-                <p:cNvPr id="45" name="Freeform 44"/>
+                <p:cNvPr id="28" name="Freeform 27"/>
                 <p:cNvSpPr/>
                 <p:nvPr/>
               </p:nvSpPr>
@@ -9174,7 +9281,7 @@
           </p:grpSp>
           <p:sp>
             <p:nvSpPr>
-              <p:cNvPr id="55" name="Freeform 54"/>
+              <p:cNvPr id="9" name="Freeform 8"/>
               <p:cNvSpPr/>
               <p:nvPr/>
             </p:nvSpPr>
@@ -9257,7 +9364,7 @@
           </p:sp>
           <p:sp>
             <p:nvSpPr>
-              <p:cNvPr id="57" name="Freeform 56"/>
+              <p:cNvPr id="10" name="Freeform 9"/>
               <p:cNvSpPr/>
               <p:nvPr/>
             </p:nvSpPr>
@@ -9341,7 +9448,7 @@
         </p:grpSp>
         <p:sp>
           <p:nvSpPr>
-            <p:cNvPr id="59" name="Freeform 58"/>
+            <p:cNvPr id="7" name="Freeform 6"/>
             <p:cNvSpPr/>
             <p:nvPr/>
           </p:nvSpPr>
@@ -9425,13 +9532,13 @@
       </p:grpSp>
       <p:sp>
         <p:nvSpPr>
-          <p:cNvPr id="61" name="TextBox 60"/>
+          <p:cNvPr id="29" name="TextBox 28"/>
           <p:cNvSpPr txBox="1"/>
           <p:nvPr/>
         </p:nvSpPr>
         <p:spPr>
           <a:xfrm>
-            <a:off x="5916480" y="3043457"/>
+            <a:off x="3528880" y="3056157"/>
             <a:ext cx="803208" cy="276999"/>
           </a:xfrm>
           <a:prstGeom prst="rect">
@@ -9455,13 +9562,13 @@
       </p:sp>
       <p:sp>
         <p:nvSpPr>
-          <p:cNvPr id="62" name="TextBox 61"/>
+          <p:cNvPr id="30" name="TextBox 29"/>
           <p:cNvSpPr txBox="1"/>
           <p:nvPr/>
         </p:nvSpPr>
         <p:spPr>
           <a:xfrm>
-            <a:off x="5453953" y="4098766"/>
+            <a:off x="3066353" y="4111466"/>
             <a:ext cx="803208" cy="461665"/>
           </a:xfrm>
           <a:prstGeom prst="rect">
@@ -9491,13 +9598,13 @@
       </p:sp>
       <p:sp>
         <p:nvSpPr>
-          <p:cNvPr id="63" name="TextBox 62"/>
+          <p:cNvPr id="31" name="TextBox 30"/>
           <p:cNvSpPr txBox="1"/>
           <p:nvPr/>
         </p:nvSpPr>
         <p:spPr>
           <a:xfrm>
-            <a:off x="7102547" y="4637881"/>
+            <a:off x="4714947" y="4650581"/>
             <a:ext cx="1169980" cy="461665"/>
           </a:xfrm>
           <a:prstGeom prst="rect">
@@ -9531,13 +9638,13 @@
       </p:sp>
       <p:sp>
         <p:nvSpPr>
-          <p:cNvPr id="64" name="TextBox 63"/>
+          <p:cNvPr id="32" name="TextBox 31"/>
           <p:cNvSpPr txBox="1"/>
           <p:nvPr/>
         </p:nvSpPr>
         <p:spPr>
           <a:xfrm>
-            <a:off x="6715479" y="2590758"/>
+            <a:off x="4327879" y="2603458"/>
             <a:ext cx="913281" cy="461665"/>
           </a:xfrm>
           <a:prstGeom prst="rect">
@@ -9565,13 +9672,13 @@
       </p:sp>
       <p:sp>
         <p:nvSpPr>
-          <p:cNvPr id="65" name="TextBox 64"/>
+          <p:cNvPr id="33" name="TextBox 32"/>
           <p:cNvSpPr txBox="1"/>
           <p:nvPr/>
         </p:nvSpPr>
         <p:spPr>
           <a:xfrm>
-            <a:off x="8793971" y="3344202"/>
+            <a:off x="6406371" y="3356902"/>
             <a:ext cx="1039321" cy="276999"/>
           </a:xfrm>
           <a:prstGeom prst="rect">
@@ -9599,13 +9706,13 @@
       </p:sp>
       <p:sp>
         <p:nvSpPr>
-          <p:cNvPr id="66" name="TextBox 65"/>
+          <p:cNvPr id="34" name="TextBox 33"/>
           <p:cNvSpPr txBox="1"/>
           <p:nvPr/>
         </p:nvSpPr>
         <p:spPr>
           <a:xfrm>
-            <a:off x="7980571" y="3941555"/>
+            <a:off x="5592971" y="3954255"/>
             <a:ext cx="980253" cy="276999"/>
           </a:xfrm>
           <a:prstGeom prst="rect">
@@ -9629,13 +9736,13 @@
       </p:sp>
       <p:sp>
         <p:nvSpPr>
-          <p:cNvPr id="67" name="TextBox 66"/>
+          <p:cNvPr id="35" name="TextBox 34"/>
           <p:cNvSpPr txBox="1"/>
           <p:nvPr/>
         </p:nvSpPr>
         <p:spPr>
           <a:xfrm>
-            <a:off x="8338734" y="2383586"/>
+            <a:off x="5951134" y="2396286"/>
             <a:ext cx="803208" cy="461665"/>
           </a:xfrm>
           <a:prstGeom prst="rect">
@@ -9664,13 +9771,13 @@
       </p:sp>
       <p:sp>
         <p:nvSpPr>
-          <p:cNvPr id="68" name="TextBox 67"/>
+          <p:cNvPr id="36" name="TextBox 35"/>
           <p:cNvSpPr txBox="1"/>
           <p:nvPr/>
         </p:nvSpPr>
         <p:spPr>
           <a:xfrm>
-            <a:off x="9437687" y="2177454"/>
+            <a:off x="7050087" y="2190154"/>
             <a:ext cx="803208" cy="276999"/>
           </a:xfrm>
           <a:prstGeom prst="rect">
@@ -9694,13 +9801,13 @@
       </p:sp>
       <p:sp>
         <p:nvSpPr>
-          <p:cNvPr id="69" name="TextBox 68"/>
+          <p:cNvPr id="37" name="TextBox 36"/>
           <p:cNvSpPr txBox="1"/>
           <p:nvPr/>
         </p:nvSpPr>
         <p:spPr>
           <a:xfrm>
-            <a:off x="10966232" y="3635681"/>
+            <a:off x="8578632" y="3648381"/>
             <a:ext cx="803208" cy="276999"/>
           </a:xfrm>
           <a:prstGeom prst="rect">
@@ -9725,13 +9832,13 @@
       </p:sp>
       <p:sp>
         <p:nvSpPr>
-          <p:cNvPr id="70" name="TextBox 69"/>
+          <p:cNvPr id="38" name="TextBox 37"/>
           <p:cNvSpPr txBox="1"/>
           <p:nvPr/>
         </p:nvSpPr>
         <p:spPr>
           <a:xfrm>
-            <a:off x="9128478" y="4724614"/>
+            <a:off x="6740878" y="4737314"/>
             <a:ext cx="920676" cy="461665"/>
           </a:xfrm>
           <a:prstGeom prst="rect">
@@ -9755,13 +9862,13 @@
       </p:sp>
       <p:sp>
         <p:nvSpPr>
-          <p:cNvPr id="71" name="TextBox 70"/>
+          <p:cNvPr id="39" name="TextBox 38"/>
           <p:cNvSpPr txBox="1"/>
           <p:nvPr/>
         </p:nvSpPr>
         <p:spPr>
           <a:xfrm>
-            <a:off x="9741095" y="5205472"/>
+            <a:off x="7353495" y="5218172"/>
             <a:ext cx="1401460" cy="276999"/>
           </a:xfrm>
           <a:prstGeom prst="rect">
@@ -9789,13 +9896,13 @@
       </p:sp>
       <p:sp>
         <p:nvSpPr>
-          <p:cNvPr id="72" name="TextBox 71"/>
+          <p:cNvPr id="40" name="TextBox 39"/>
           <p:cNvSpPr txBox="1"/>
           <p:nvPr/>
         </p:nvSpPr>
         <p:spPr>
           <a:xfrm>
-            <a:off x="7021407" y="5969991"/>
+            <a:off x="4633807" y="5982691"/>
             <a:ext cx="1179137" cy="276999"/>
           </a:xfrm>
           <a:prstGeom prst="rect">
@@ -9823,86 +9930,22 @@
       </p:sp>
       <p:sp>
         <p:nvSpPr>
-          <p:cNvPr id="73" name="Down Arrow 72"/>
-          <p:cNvSpPr/>
-          <p:nvPr/>
-        </p:nvSpPr>
-        <p:spPr>
-          <a:xfrm>
-            <a:off x="558948" y="1957620"/>
-            <a:ext cx="3784745" cy="459225"/>
-          </a:xfrm>
-          <a:prstGeom prst="downArrow">
-            <a:avLst/>
-          </a:prstGeom>
-        </p:spPr>
-        <p:style>
-          <a:lnRef idx="2">
-            <a:schemeClr val="accent3"/>
-          </a:lnRef>
-          <a:fillRef idx="1">
-            <a:schemeClr val="lt1"/>
-          </a:fillRef>
-          <a:effectRef idx="0">
-            <a:schemeClr val="accent3"/>
-          </a:effectRef>
-          <a:fontRef idx="minor">
-            <a:schemeClr val="dk1"/>
-          </a:fontRef>
-        </p:style>
+          <p:cNvPr id="42" name="Title 41"/>
+          <p:cNvSpPr>
+            <a:spLocks noGrp="1"/>
+          </p:cNvSpPr>
+          <p:nvPr>
+            <p:ph type="title"/>
+          </p:nvPr>
+        </p:nvSpPr>
+        <p:spPr/>
         <p:txBody>
-          <a:bodyPr rtlCol="0" anchor="ctr"/>
+          <a:bodyPr/>
           <a:lstStyle/>
           <a:p>
-            <a:pPr algn="ctr"/>
             <a:r>
               <a:rPr lang="en-US" dirty="0" smtClean="0"/>
-              <a:t>Level 0</a:t>
-            </a:r>
-            <a:endParaRPr lang="en-US" dirty="0"/>
-          </a:p>
-        </p:txBody>
-      </p:sp>
-      <p:sp>
-        <p:nvSpPr>
-          <p:cNvPr id="74" name="Right Arrow 73"/>
-          <p:cNvSpPr/>
-          <p:nvPr/>
-        </p:nvSpPr>
-        <p:spPr>
-          <a:xfrm>
-            <a:off x="1475661" y="6107163"/>
-            <a:ext cx="3610838" cy="633964"/>
-          </a:xfrm>
-          <a:prstGeom prst="rightArrow">
-            <a:avLst>
-              <a:gd name="adj1" fmla="val 50000"/>
-              <a:gd name="adj2" fmla="val 314853"/>
-            </a:avLst>
-          </a:prstGeom>
-        </p:spPr>
-        <p:style>
-          <a:lnRef idx="2">
-            <a:schemeClr val="accent3"/>
-          </a:lnRef>
-          <a:fillRef idx="1">
-            <a:schemeClr val="lt1"/>
-          </a:fillRef>
-          <a:effectRef idx="0">
-            <a:schemeClr val="accent3"/>
-          </a:effectRef>
-          <a:fontRef idx="minor">
-            <a:schemeClr val="dk1"/>
-          </a:fontRef>
-        </p:style>
-        <p:txBody>
-          <a:bodyPr rtlCol="0" anchor="ctr"/>
-          <a:lstStyle/>
-          <a:p>
-            <a:pPr algn="ctr"/>
-            <a:r>
-              <a:rPr lang="en-US" dirty="0" smtClean="0"/>
-              <a:t>Level 1</a:t>
+              <a:t>DFD LEVEL 1</a:t>
             </a:r>
             <a:endParaRPr lang="en-US" dirty="0"/>
           </a:p>
@@ -9911,7 +9954,7 @@
     </p:spTree>
     <p:extLst>
       <p:ext uri="{BB962C8B-B14F-4D97-AF65-F5344CB8AC3E}">
-        <p14:creationId xmlns:p14="http://schemas.microsoft.com/office/powerpoint/2010/main" val="838798384"/>
+        <p14:creationId xmlns:p14="http://schemas.microsoft.com/office/powerpoint/2010/main" val="94100643"/>
       </p:ext>
     </p:extLst>
   </p:cSld>
@@ -9928,7 +9971,460 @@
 </p:sld>
 </file>
 
-<file path=ppt/slides/slide11.xml><?xml version="1.0" encoding="utf-8"?>
+<file path=ppt/slides/slide12.xml><?xml version="1.0" encoding="utf-8"?>
+<p:sld xmlns:a="http://schemas.openxmlformats.org/drawingml/2006/main" xmlns:r="http://schemas.openxmlformats.org/officeDocument/2006/relationships" xmlns:p="http://schemas.openxmlformats.org/presentationml/2006/main">
+  <p:cSld>
+    <p:spTree>
+      <p:nvGrpSpPr>
+        <p:cNvPr id="1" name=""/>
+        <p:cNvGrpSpPr/>
+        <p:nvPr/>
+      </p:nvGrpSpPr>
+      <p:grpSpPr>
+        <a:xfrm>
+          <a:off x="0" y="0"/>
+          <a:ext cx="0" cy="0"/>
+          <a:chOff x="0" y="0"/>
+          <a:chExt cx="0" cy="0"/>
+        </a:xfrm>
+      </p:grpSpPr>
+      <p:sp>
+        <p:nvSpPr>
+          <p:cNvPr id="2" name="Title 1"/>
+          <p:cNvSpPr>
+            <a:spLocks noGrp="1"/>
+          </p:cNvSpPr>
+          <p:nvPr>
+            <p:ph type="title"/>
+          </p:nvPr>
+        </p:nvSpPr>
+        <p:spPr/>
+        <p:txBody>
+          <a:bodyPr/>
+          <a:lstStyle/>
+          <a:p>
+            <a:endParaRPr lang="en-US"/>
+          </a:p>
+        </p:txBody>
+      </p:sp>
+      <p:sp>
+        <p:nvSpPr>
+          <p:cNvPr id="3" name="Content Placeholder 2"/>
+          <p:cNvSpPr>
+            <a:spLocks noGrp="1"/>
+          </p:cNvSpPr>
+          <p:nvPr>
+            <p:ph idx="1"/>
+          </p:nvPr>
+        </p:nvSpPr>
+        <p:spPr/>
+        <p:txBody>
+          <a:bodyPr/>
+          <a:lstStyle/>
+          <a:p>
+            <a:endParaRPr lang="en-US"/>
+          </a:p>
+        </p:txBody>
+      </p:sp>
+      <p:sp>
+        <p:nvSpPr>
+          <p:cNvPr id="4" name="Content Placeholder 1"/>
+          <p:cNvSpPr txBox="1">
+            <a:spLocks/>
+          </p:cNvSpPr>
+          <p:nvPr/>
+        </p:nvSpPr>
+        <p:spPr>
+          <a:xfrm>
+            <a:off x="1587500" y="3155113"/>
+            <a:ext cx="4114800" cy="3048000"/>
+          </a:xfrm>
+          <a:prstGeom prst="rect">
+            <a:avLst/>
+          </a:prstGeom>
+        </p:spPr>
+        <p:txBody>
+          <a:bodyPr vert="horz" lIns="91440" tIns="45720" rIns="91440" bIns="45720" rtlCol="0" anchor="ctr">
+            <a:normAutofit/>
+          </a:bodyPr>
+          <a:lstStyle>
+            <a:lvl1pPr marL="306000" indent="-306000" algn="l" defTabSz="457200" rtl="0" eaLnBrk="1" latinLnBrk="0" hangingPunct="1">
+              <a:spcBef>
+                <a:spcPct val="20000"/>
+              </a:spcBef>
+              <a:spcAft>
+                <a:spcPts val="600"/>
+              </a:spcAft>
+              <a:buClr>
+                <a:schemeClr val="accent2"/>
+              </a:buClr>
+              <a:buSzPct val="92000"/>
+              <a:buFont typeface="Wingdings 2" panose="05020102010507070707" pitchFamily="18" charset="2"/>
+              <a:buChar char=""/>
+              <a:defRPr sz="1800" kern="1200">
+                <a:solidFill>
+                  <a:schemeClr val="tx2"/>
+                </a:solidFill>
+                <a:latin typeface="+mn-lt"/>
+                <a:ea typeface="+mn-ea"/>
+                <a:cs typeface="+mn-cs"/>
+              </a:defRPr>
+            </a:lvl1pPr>
+            <a:lvl2pPr marL="630000" indent="-306000" algn="l" defTabSz="457200" rtl="0" eaLnBrk="1" latinLnBrk="0" hangingPunct="1">
+              <a:spcBef>
+                <a:spcPct val="20000"/>
+              </a:spcBef>
+              <a:spcAft>
+                <a:spcPts val="600"/>
+              </a:spcAft>
+              <a:buClr>
+                <a:schemeClr val="accent2"/>
+              </a:buClr>
+              <a:buSzPct val="92000"/>
+              <a:buFont typeface="Wingdings 2" panose="05020102010507070707" pitchFamily="18" charset="2"/>
+              <a:buChar char=""/>
+              <a:defRPr sz="1600" kern="1200">
+                <a:solidFill>
+                  <a:schemeClr val="tx2"/>
+                </a:solidFill>
+                <a:latin typeface="+mn-lt"/>
+                <a:ea typeface="+mn-ea"/>
+                <a:cs typeface="+mn-cs"/>
+              </a:defRPr>
+            </a:lvl2pPr>
+            <a:lvl3pPr marL="900000" indent="-270000" algn="l" defTabSz="457200" rtl="0" eaLnBrk="1" latinLnBrk="0" hangingPunct="1">
+              <a:spcBef>
+                <a:spcPct val="20000"/>
+              </a:spcBef>
+              <a:spcAft>
+                <a:spcPts val="600"/>
+              </a:spcAft>
+              <a:buClr>
+                <a:schemeClr val="accent2"/>
+              </a:buClr>
+              <a:buSzPct val="92000"/>
+              <a:buFont typeface="Wingdings 2" panose="05020102010507070707" pitchFamily="18" charset="2"/>
+              <a:buChar char=""/>
+              <a:defRPr sz="1400" kern="1200">
+                <a:solidFill>
+                  <a:schemeClr val="tx2"/>
+                </a:solidFill>
+                <a:latin typeface="+mn-lt"/>
+                <a:ea typeface="+mn-ea"/>
+                <a:cs typeface="+mn-cs"/>
+              </a:defRPr>
+            </a:lvl3pPr>
+            <a:lvl4pPr marL="1242000" indent="-234000" algn="l" defTabSz="457200" rtl="0" eaLnBrk="1" latinLnBrk="0" hangingPunct="1">
+              <a:spcBef>
+                <a:spcPct val="20000"/>
+              </a:spcBef>
+              <a:spcAft>
+                <a:spcPts val="600"/>
+              </a:spcAft>
+              <a:buClr>
+                <a:schemeClr val="accent2"/>
+              </a:buClr>
+              <a:buSzPct val="92000"/>
+              <a:buFont typeface="Wingdings 2" panose="05020102010507070707" pitchFamily="18" charset="2"/>
+              <a:buChar char=""/>
+              <a:defRPr sz="1200" kern="1200">
+                <a:solidFill>
+                  <a:schemeClr val="tx2"/>
+                </a:solidFill>
+                <a:latin typeface="+mn-lt"/>
+                <a:ea typeface="+mn-ea"/>
+                <a:cs typeface="+mn-cs"/>
+              </a:defRPr>
+            </a:lvl4pPr>
+            <a:lvl5pPr marL="1602000" indent="-234000" algn="l" defTabSz="457200" rtl="0" eaLnBrk="1" latinLnBrk="0" hangingPunct="1">
+              <a:spcBef>
+                <a:spcPct val="20000"/>
+              </a:spcBef>
+              <a:spcAft>
+                <a:spcPts val="600"/>
+              </a:spcAft>
+              <a:buClr>
+                <a:schemeClr val="accent2"/>
+              </a:buClr>
+              <a:buSzPct val="92000"/>
+              <a:buFont typeface="Wingdings 2" panose="05020102010507070707" pitchFamily="18" charset="2"/>
+              <a:buChar char=""/>
+              <a:defRPr sz="1200" kern="1200">
+                <a:solidFill>
+                  <a:schemeClr val="tx2"/>
+                </a:solidFill>
+                <a:latin typeface="+mn-lt"/>
+                <a:ea typeface="+mn-ea"/>
+                <a:cs typeface="+mn-cs"/>
+              </a:defRPr>
+            </a:lvl5pPr>
+            <a:lvl6pPr marL="1900000" indent="-228600" algn="l" defTabSz="457200" rtl="0" eaLnBrk="1" latinLnBrk="0" hangingPunct="1">
+              <a:spcBef>
+                <a:spcPct val="20000"/>
+              </a:spcBef>
+              <a:spcAft>
+                <a:spcPts val="600"/>
+              </a:spcAft>
+              <a:buClr>
+                <a:schemeClr val="accent2"/>
+              </a:buClr>
+              <a:buSzPct val="92000"/>
+              <a:buFont typeface="Wingdings 2" panose="05020102010507070707" pitchFamily="18" charset="2"/>
+              <a:buChar char=""/>
+              <a:defRPr sz="1200" kern="1200">
+                <a:solidFill>
+                  <a:schemeClr val="tx2"/>
+                </a:solidFill>
+                <a:latin typeface="+mn-lt"/>
+                <a:ea typeface="+mn-ea"/>
+                <a:cs typeface="+mn-cs"/>
+              </a:defRPr>
+            </a:lvl6pPr>
+            <a:lvl7pPr marL="2200000" indent="-228600" algn="l" defTabSz="457200" rtl="0" eaLnBrk="1" latinLnBrk="0" hangingPunct="1">
+              <a:spcBef>
+                <a:spcPct val="20000"/>
+              </a:spcBef>
+              <a:spcAft>
+                <a:spcPts val="600"/>
+              </a:spcAft>
+              <a:buClr>
+                <a:schemeClr val="accent2"/>
+              </a:buClr>
+              <a:buSzPct val="92000"/>
+              <a:buFont typeface="Wingdings 2" panose="05020102010507070707" pitchFamily="18" charset="2"/>
+              <a:buChar char=""/>
+              <a:defRPr sz="1200" kern="1200">
+                <a:solidFill>
+                  <a:schemeClr val="tx2"/>
+                </a:solidFill>
+                <a:latin typeface="+mn-lt"/>
+                <a:ea typeface="+mn-ea"/>
+                <a:cs typeface="+mn-cs"/>
+              </a:defRPr>
+            </a:lvl7pPr>
+            <a:lvl8pPr marL="2500000" indent="-228600" algn="l" defTabSz="457200" rtl="0" eaLnBrk="1" latinLnBrk="0" hangingPunct="1">
+              <a:spcBef>
+                <a:spcPct val="20000"/>
+              </a:spcBef>
+              <a:spcAft>
+                <a:spcPts val="600"/>
+              </a:spcAft>
+              <a:buClr>
+                <a:schemeClr val="accent2"/>
+              </a:buClr>
+              <a:buSzPct val="92000"/>
+              <a:buFont typeface="Wingdings 2" panose="05020102010507070707" pitchFamily="18" charset="2"/>
+              <a:buChar char=""/>
+              <a:defRPr sz="1200" kern="1200">
+                <a:solidFill>
+                  <a:schemeClr val="tx2"/>
+                </a:solidFill>
+                <a:latin typeface="+mn-lt"/>
+                <a:ea typeface="+mn-ea"/>
+                <a:cs typeface="+mn-cs"/>
+              </a:defRPr>
+            </a:lvl8pPr>
+            <a:lvl9pPr marL="2800000" indent="-228600" algn="l" defTabSz="457200" rtl="0" eaLnBrk="1" latinLnBrk="0" hangingPunct="1">
+              <a:spcBef>
+                <a:spcPct val="20000"/>
+              </a:spcBef>
+              <a:spcAft>
+                <a:spcPts val="600"/>
+              </a:spcAft>
+              <a:buClr>
+                <a:schemeClr val="accent2"/>
+              </a:buClr>
+              <a:buSzPct val="92000"/>
+              <a:buFont typeface="Wingdings 2" panose="05020102010507070707" pitchFamily="18" charset="2"/>
+              <a:buChar char=""/>
+              <a:defRPr sz="1200" kern="1200">
+                <a:solidFill>
+                  <a:schemeClr val="tx2"/>
+                </a:solidFill>
+                <a:latin typeface="+mn-lt"/>
+                <a:ea typeface="+mn-ea"/>
+                <a:cs typeface="+mn-cs"/>
+              </a:defRPr>
+            </a:lvl9pPr>
+          </a:lstStyle>
+          <a:p>
+            <a:pPr marL="0" indent="0">
+              <a:buFont typeface="Wingdings 2" panose="05020102010507070707" pitchFamily="18" charset="2"/>
+              <a:buNone/>
+            </a:pPr>
+            <a:r>
+              <a:rPr lang="en-US" sz="2000" smtClean="0"/>
+              <a:t>Order terbagi menjadi dua jenis :</a:t>
+            </a:r>
+          </a:p>
+          <a:p>
+            <a:r>
+              <a:rPr lang="en-US" sz="2000" smtClean="0"/>
+              <a:t>Supplier akan berhubungan dengan Purchase Order</a:t>
+            </a:r>
+          </a:p>
+          <a:p>
+            <a:r>
+              <a:rPr lang="en-US" sz="2000" smtClean="0"/>
+              <a:t>Customer akan berhubungan dengan Sales Order</a:t>
+            </a:r>
+            <a:endParaRPr lang="en-US" sz="2000" dirty="0"/>
+          </a:p>
+        </p:txBody>
+      </p:sp>
+      <p:sp>
+        <p:nvSpPr>
+          <p:cNvPr id="5" name="Title 2"/>
+          <p:cNvSpPr txBox="1">
+            <a:spLocks/>
+          </p:cNvSpPr>
+          <p:nvPr/>
+        </p:nvSpPr>
+        <p:spPr>
+          <a:xfrm>
+            <a:off x="419100" y="224916"/>
+            <a:ext cx="8229600" cy="1252728"/>
+          </a:xfrm>
+          <a:prstGeom prst="rect">
+            <a:avLst/>
+          </a:prstGeom>
+        </p:spPr>
+        <p:txBody>
+          <a:bodyPr vert="horz" lIns="91440" tIns="45720" rIns="91440" bIns="45720" rtlCol="0" anchor="b">
+            <a:normAutofit/>
+          </a:bodyPr>
+          <a:lstStyle>
+            <a:lvl1pPr algn="l" defTabSz="457200" rtl="0" eaLnBrk="1" latinLnBrk="0" hangingPunct="1">
+              <a:spcBef>
+                <a:spcPct val="0"/>
+              </a:spcBef>
+              <a:buNone/>
+              <a:defRPr sz="2800" b="0" kern="1200" cap="all">
+                <a:solidFill>
+                  <a:schemeClr val="bg1"/>
+                </a:solidFill>
+                <a:latin typeface="+mj-lt"/>
+                <a:ea typeface="+mj-ea"/>
+                <a:cs typeface="+mj-cs"/>
+              </a:defRPr>
+            </a:lvl1pPr>
+            <a:lvl2pPr eaLnBrk="1" hangingPunct="1">
+              <a:defRPr>
+                <a:solidFill>
+                  <a:schemeClr val="tx2"/>
+                </a:solidFill>
+              </a:defRPr>
+            </a:lvl2pPr>
+            <a:lvl3pPr eaLnBrk="1" hangingPunct="1">
+              <a:defRPr>
+                <a:solidFill>
+                  <a:schemeClr val="tx2"/>
+                </a:solidFill>
+              </a:defRPr>
+            </a:lvl3pPr>
+            <a:lvl4pPr eaLnBrk="1" hangingPunct="1">
+              <a:defRPr>
+                <a:solidFill>
+                  <a:schemeClr val="tx2"/>
+                </a:solidFill>
+              </a:defRPr>
+            </a:lvl4pPr>
+            <a:lvl5pPr eaLnBrk="1" hangingPunct="1">
+              <a:defRPr>
+                <a:solidFill>
+                  <a:schemeClr val="tx2"/>
+                </a:solidFill>
+              </a:defRPr>
+            </a:lvl5pPr>
+            <a:lvl6pPr eaLnBrk="1" hangingPunct="1">
+              <a:defRPr>
+                <a:solidFill>
+                  <a:schemeClr val="tx2"/>
+                </a:solidFill>
+              </a:defRPr>
+            </a:lvl6pPr>
+            <a:lvl7pPr eaLnBrk="1" hangingPunct="1">
+              <a:defRPr>
+                <a:solidFill>
+                  <a:schemeClr val="tx2"/>
+                </a:solidFill>
+              </a:defRPr>
+            </a:lvl7pPr>
+            <a:lvl8pPr eaLnBrk="1" hangingPunct="1">
+              <a:defRPr>
+                <a:solidFill>
+                  <a:schemeClr val="tx2"/>
+                </a:solidFill>
+              </a:defRPr>
+            </a:lvl8pPr>
+            <a:lvl9pPr eaLnBrk="1" hangingPunct="1">
+              <a:defRPr>
+                <a:solidFill>
+                  <a:schemeClr val="tx2"/>
+                </a:solidFill>
+              </a:defRPr>
+            </a:lvl9pPr>
+          </a:lstStyle>
+          <a:p>
+            <a:pPr algn="r"/>
+            <a:r>
+              <a:rPr lang="en-US" dirty="0" smtClean="0"/>
+              <a:t>Standard Order Model</a:t>
+            </a:r>
+            <a:endParaRPr lang="en-US" dirty="0"/>
+          </a:p>
+        </p:txBody>
+      </p:sp>
+      <p:pic>
+        <p:nvPicPr>
+          <p:cNvPr id="6" name="Picture 5"/>
+          <p:cNvPicPr>
+            <a:picLocks noChangeAspect="1"/>
+          </p:cNvPicPr>
+          <p:nvPr/>
+        </p:nvPicPr>
+        <p:blipFill rotWithShape="1">
+          <a:blip r:embed="rId2">
+            <a:extLst>
+              <a:ext uri="{28A0092B-C50C-407E-A947-70E740481C1C}">
+                <a14:useLocalDpi xmlns:a14="http://schemas.microsoft.com/office/drawing/2010/main" val="0"/>
+              </a:ext>
+            </a:extLst>
+          </a:blip>
+          <a:srcRect l="5154"/>
+          <a:stretch/>
+        </p:blipFill>
+        <p:spPr>
+          <a:xfrm>
+            <a:off x="5079069" y="2159112"/>
+            <a:ext cx="5494997" cy="4360560"/>
+          </a:xfrm>
+          <a:prstGeom prst="rect">
+            <a:avLst/>
+          </a:prstGeom>
+        </p:spPr>
+      </p:pic>
+    </p:spTree>
+    <p:extLst>
+      <p:ext uri="{BB962C8B-B14F-4D97-AF65-F5344CB8AC3E}">
+        <p14:creationId xmlns:p14="http://schemas.microsoft.com/office/powerpoint/2010/main" val="3265699187"/>
+      </p:ext>
+    </p:extLst>
+  </p:cSld>
+  <p:clrMapOvr>
+    <a:masterClrMapping/>
+  </p:clrMapOvr>
+  <p:timing>
+    <p:tnLst>
+      <p:par>
+        <p:cTn id="1" dur="indefinite" restart="never" nodeType="tmRoot"/>
+      </p:par>
+    </p:tnLst>
+  </p:timing>
+</p:sld>
+</file>
+
+<file path=ppt/slides/slide13.xml><?xml version="1.0" encoding="utf-8"?>
 <p:sld xmlns:a="http://schemas.openxmlformats.org/drawingml/2006/main" xmlns:r="http://schemas.openxmlformats.org/officeDocument/2006/relationships" xmlns:p="http://schemas.openxmlformats.org/presentationml/2006/main">
   <p:cSld>
     <p:spTree>
@@ -10021,7 +10517,7 @@
 </p:sld>
 </file>
 
-<file path=ppt/slides/slide12.xml><?xml version="1.0" encoding="utf-8"?>
+<file path=ppt/slides/slide14.xml><?xml version="1.0" encoding="utf-8"?>
 <p:sld xmlns:a="http://schemas.openxmlformats.org/drawingml/2006/main" xmlns:r="http://schemas.openxmlformats.org/officeDocument/2006/relationships" xmlns:p="http://schemas.openxmlformats.org/presentationml/2006/main">
   <p:cSld>
     <p:spTree>
@@ -10085,8 +10581,8 @@
         </p:blipFill>
         <p:spPr>
           <a:xfrm>
-            <a:off x="4366770" y="1909623"/>
-            <a:ext cx="3458459" cy="4948377"/>
+            <a:off x="3390900" y="513345"/>
+            <a:ext cx="4434329" cy="6344656"/>
           </a:xfrm>
         </p:spPr>
       </p:pic>
@@ -10110,7 +10606,7 @@
 </p:sld>
 </file>
 
-<file path=ppt/slides/slide13.xml><?xml version="1.0" encoding="utf-8"?>
+<file path=ppt/slides/slide15.xml><?xml version="1.0" encoding="utf-8"?>
 <p:sld xmlns:a="http://schemas.openxmlformats.org/drawingml/2006/main" xmlns:r="http://schemas.openxmlformats.org/officeDocument/2006/relationships" xmlns:p="http://schemas.openxmlformats.org/presentationml/2006/main">
   <p:cSld>
     <p:spTree>
@@ -10293,6 +10789,13 @@
   <p:clrMapOvr>
     <a:masterClrMapping/>
   </p:clrMapOvr>
+  <p:timing>
+    <p:tnLst>
+      <p:par>
+        <p:cTn id="1" dur="indefinite" restart="never" nodeType="tmRoot"/>
+      </p:par>
+    </p:tnLst>
+  </p:timing>
 </p:sld>
 </file>
 
@@ -10389,6 +10892,13 @@
   <p:clrMapOvr>
     <a:masterClrMapping/>
   </p:clrMapOvr>
+  <p:timing>
+    <p:tnLst>
+      <p:par>
+        <p:cTn id="1" dur="indefinite" restart="never" nodeType="tmRoot"/>
+      </p:par>
+    </p:tnLst>
+  </p:timing>
 </p:sld>
 </file>
 
@@ -10542,6 +11052,13 @@
   <p:clrMapOvr>
     <a:masterClrMapping/>
   </p:clrMapOvr>
+  <p:timing>
+    <p:tnLst>
+      <p:par>
+        <p:cTn id="1" dur="indefinite" restart="never" nodeType="tmRoot"/>
+      </p:par>
+    </p:tnLst>
+  </p:timing>
 </p:sld>
 </file>
 
@@ -10688,6 +11205,13 @@
   <p:clrMapOvr>
     <a:masterClrMapping/>
   </p:clrMapOvr>
+  <p:timing>
+    <p:tnLst>
+      <p:par>
+        <p:cTn id="1" dur="indefinite" restart="never" nodeType="tmRoot"/>
+      </p:par>
+    </p:tnLst>
+  </p:timing>
 </p:sld>
 </file>
 
@@ -11141,6 +11665,13 @@
   <p:clrMapOvr>
     <a:masterClrMapping/>
   </p:clrMapOvr>
+  <p:timing>
+    <p:tnLst>
+      <p:par>
+        <p:cTn id="1" dur="indefinite" restart="never" nodeType="tmRoot"/>
+      </p:par>
+    </p:tnLst>
+  </p:timing>
 </p:sld>
 </file>
 
